--- a/6 - Logistic Regression/Logistic Regression.pptx
+++ b/6 - Logistic Regression/Logistic Regression.pptx
@@ -275,19 +275,19 @@
                 <c:formatCode>General</c:formatCode>
                 <c:ptCount val="18"/>
                 <c:pt idx="0">
-                  <c:v>0.05</c:v>
+                  <c:v>0</c:v>
                 </c:pt>
                 <c:pt idx="1">
-                  <c:v>0.05</c:v>
+                  <c:v>0</c:v>
                 </c:pt>
                 <c:pt idx="2">
-                  <c:v>0.91</c:v>
+                  <c:v>1</c:v>
                 </c:pt>
                 <c:pt idx="3">
-                  <c:v>0.95</c:v>
+                  <c:v>1</c:v>
                 </c:pt>
                 <c:pt idx="4">
-                  <c:v>0.99</c:v>
+                  <c:v>1</c:v>
                 </c:pt>
               </c:numCache>
             </c:numRef>
@@ -1871,19 +1871,19 @@
                 <c:formatCode>General</c:formatCode>
                 <c:ptCount val="18"/>
                 <c:pt idx="0">
-                  <c:v>0.05</c:v>
+                  <c:v>0</c:v>
                 </c:pt>
                 <c:pt idx="1">
-                  <c:v>0.05</c:v>
+                  <c:v>0</c:v>
                 </c:pt>
                 <c:pt idx="2">
-                  <c:v>0.91</c:v>
+                  <c:v>1</c:v>
                 </c:pt>
                 <c:pt idx="3">
-                  <c:v>0.95</c:v>
+                  <c:v>1</c:v>
                 </c:pt>
                 <c:pt idx="4">
-                  <c:v>0.99</c:v>
+                  <c:v>1</c:v>
                 </c:pt>
               </c:numCache>
             </c:numRef>
@@ -5099,7 +5099,7 @@
           <a:p>
             <a:fld id="{F666E1FD-E7A0-497B-BBC0-740BAAC97C64}" type="datetimeFigureOut">
               <a:rPr lang="en-PH" smtClean="0"/>
-              <a:t>10/2/23</a:t>
+              <a:t>04/10/2023</a:t>
             </a:fld>
             <a:endParaRPr lang="en-PH"/>
           </a:p>
@@ -7112,7 +7112,7 @@
           <a:p>
             <a:fld id="{0CCF0B81-6BD8-4C65-9459-815598C5F1F4}" type="datetimeFigureOut">
               <a:rPr lang="en-PH" smtClean="0"/>
-              <a:t>10/2/23</a:t>
+              <a:t>04/10/2023</a:t>
             </a:fld>
             <a:endParaRPr lang="en-PH"/>
           </a:p>
@@ -7312,7 +7312,7 @@
           <a:p>
             <a:fld id="{0CCF0B81-6BD8-4C65-9459-815598C5F1F4}" type="datetimeFigureOut">
               <a:rPr lang="en-PH" smtClean="0"/>
-              <a:t>10/2/23</a:t>
+              <a:t>04/10/2023</a:t>
             </a:fld>
             <a:endParaRPr lang="en-PH"/>
           </a:p>
@@ -7522,7 +7522,7 @@
           <a:p>
             <a:fld id="{0CCF0B81-6BD8-4C65-9459-815598C5F1F4}" type="datetimeFigureOut">
               <a:rPr lang="en-PH" smtClean="0"/>
-              <a:t>10/2/23</a:t>
+              <a:t>04/10/2023</a:t>
             </a:fld>
             <a:endParaRPr lang="en-PH"/>
           </a:p>
@@ -7722,7 +7722,7 @@
           <a:p>
             <a:fld id="{0CCF0B81-6BD8-4C65-9459-815598C5F1F4}" type="datetimeFigureOut">
               <a:rPr lang="en-PH" smtClean="0"/>
-              <a:t>10/2/23</a:t>
+              <a:t>04/10/2023</a:t>
             </a:fld>
             <a:endParaRPr lang="en-PH"/>
           </a:p>
@@ -7998,7 +7998,7 @@
           <a:p>
             <a:fld id="{0CCF0B81-6BD8-4C65-9459-815598C5F1F4}" type="datetimeFigureOut">
               <a:rPr lang="en-PH" smtClean="0"/>
-              <a:t>10/2/23</a:t>
+              <a:t>04/10/2023</a:t>
             </a:fld>
             <a:endParaRPr lang="en-PH"/>
           </a:p>
@@ -8266,7 +8266,7 @@
           <a:p>
             <a:fld id="{0CCF0B81-6BD8-4C65-9459-815598C5F1F4}" type="datetimeFigureOut">
               <a:rPr lang="en-PH" smtClean="0"/>
-              <a:t>10/2/23</a:t>
+              <a:t>04/10/2023</a:t>
             </a:fld>
             <a:endParaRPr lang="en-PH"/>
           </a:p>
@@ -8681,7 +8681,7 @@
           <a:p>
             <a:fld id="{0CCF0B81-6BD8-4C65-9459-815598C5F1F4}" type="datetimeFigureOut">
               <a:rPr lang="en-PH" smtClean="0"/>
-              <a:t>10/2/23</a:t>
+              <a:t>04/10/2023</a:t>
             </a:fld>
             <a:endParaRPr lang="en-PH"/>
           </a:p>
@@ -8823,7 +8823,7 @@
           <a:p>
             <a:fld id="{0CCF0B81-6BD8-4C65-9459-815598C5F1F4}" type="datetimeFigureOut">
               <a:rPr lang="en-PH" smtClean="0"/>
-              <a:t>10/2/23</a:t>
+              <a:t>04/10/2023</a:t>
             </a:fld>
             <a:endParaRPr lang="en-PH"/>
           </a:p>
@@ -8936,7 +8936,7 @@
           <a:p>
             <a:fld id="{0CCF0B81-6BD8-4C65-9459-815598C5F1F4}" type="datetimeFigureOut">
               <a:rPr lang="en-PH" smtClean="0"/>
-              <a:t>10/2/23</a:t>
+              <a:t>04/10/2023</a:t>
             </a:fld>
             <a:endParaRPr lang="en-PH"/>
           </a:p>
@@ -9249,7 +9249,7 @@
           <a:p>
             <a:fld id="{0CCF0B81-6BD8-4C65-9459-815598C5F1F4}" type="datetimeFigureOut">
               <a:rPr lang="en-PH" smtClean="0"/>
-              <a:t>10/2/23</a:t>
+              <a:t>04/10/2023</a:t>
             </a:fld>
             <a:endParaRPr lang="en-PH"/>
           </a:p>
@@ -9538,7 +9538,7 @@
           <a:p>
             <a:fld id="{0CCF0B81-6BD8-4C65-9459-815598C5F1F4}" type="datetimeFigureOut">
               <a:rPr lang="en-PH" smtClean="0"/>
-              <a:t>10/2/23</a:t>
+              <a:t>04/10/2023</a:t>
             </a:fld>
             <a:endParaRPr lang="en-PH"/>
           </a:p>
@@ -9781,7 +9781,7 @@
           <a:p>
             <a:fld id="{0CCF0B81-6BD8-4C65-9459-815598C5F1F4}" type="datetimeFigureOut">
               <a:rPr lang="en-PH" smtClean="0"/>
-              <a:t>10/2/23</a:t>
+              <a:t>04/10/2023</a:t>
             </a:fld>
             <a:endParaRPr lang="en-PH"/>
           </a:p>
@@ -11086,7 +11086,13 @@
                 </a:extLst>
               </p:cNvPr>
               <p:cNvGraphicFramePr/>
-              <p:nvPr/>
+              <p:nvPr>
+                <p:extLst>
+                  <p:ext uri="{D42A27DB-BD31-4B8C-83A1-F6EECF244321}">
+                    <p14:modId xmlns:p14="http://schemas.microsoft.com/office/powerpoint/2010/main" val="876931260"/>
+                  </p:ext>
+                </p:extLst>
+              </p:nvPr>
             </p:nvGraphicFramePr>
             <p:xfrm>
               <a:off x="1485680" y="1401319"/>
@@ -11490,8 +11496,8 @@
           </a:p>
         </p:txBody>
       </p:sp>
-      <mc:AlternateContent xmlns:mc="http://schemas.openxmlformats.org/markup-compatibility/2006">
-        <mc:Choice xmlns:a14="http://schemas.microsoft.com/office/drawing/2010/main" Requires="a14">
+      <mc:AlternateContent xmlns:mc="http://schemas.openxmlformats.org/markup-compatibility/2006" xmlns:a14="http://schemas.microsoft.com/office/drawing/2010/main">
+        <mc:Choice Requires="a14">
           <p:sp>
             <p:nvSpPr>
               <p:cNvPr id="5" name="TextBox 4">
@@ -11643,7 +11649,7 @@
             </p:txBody>
           </p:sp>
         </mc:Choice>
-        <mc:Fallback>
+        <mc:Fallback xmlns="">
           <p:sp>
             <p:nvSpPr>
               <p:cNvPr id="5" name="TextBox 4">
@@ -11688,8 +11694,8 @@
           </p:sp>
         </mc:Fallback>
       </mc:AlternateContent>
-      <mc:AlternateContent xmlns:mc="http://schemas.openxmlformats.org/markup-compatibility/2006">
-        <mc:Choice xmlns:a14="http://schemas.microsoft.com/office/drawing/2010/main" Requires="a14">
+      <mc:AlternateContent xmlns:mc="http://schemas.openxmlformats.org/markup-compatibility/2006" xmlns:a14="http://schemas.microsoft.com/office/drawing/2010/main">
+        <mc:Choice Requires="a14">
           <p:sp>
             <p:nvSpPr>
               <p:cNvPr id="7" name="TextBox 6">
@@ -11718,6 +11724,7 @@
               </a:bodyPr>
               <a:lstStyle/>
               <a:p>
+                <a:pPr/>
                 <a14:m>
                   <m:oMathPara xmlns:m="http://schemas.openxmlformats.org/officeDocument/2006/math">
                     <m:oMathParaPr>
@@ -11815,7 +11822,7 @@
             </p:txBody>
           </p:sp>
         </mc:Choice>
-        <mc:Fallback>
+        <mc:Fallback xmlns="">
           <p:sp>
             <p:nvSpPr>
               <p:cNvPr id="7" name="TextBox 6">
@@ -11986,8 +11993,8 @@
           </a:p>
         </p:txBody>
       </p:sp>
-      <mc:AlternateContent xmlns:mc="http://schemas.openxmlformats.org/markup-compatibility/2006">
-        <mc:Choice xmlns:a14="http://schemas.microsoft.com/office/drawing/2010/main" Requires="a14">
+      <mc:AlternateContent xmlns:mc="http://schemas.openxmlformats.org/markup-compatibility/2006" xmlns:a14="http://schemas.microsoft.com/office/drawing/2010/main">
+        <mc:Choice Requires="a14">
           <p:sp>
             <p:nvSpPr>
               <p:cNvPr id="3" name="TextBox 2">
@@ -12016,6 +12023,7 @@
               </a:bodyPr>
               <a:lstStyle/>
               <a:p>
+                <a:pPr/>
                 <a14:m>
                   <m:oMathPara xmlns:m="http://schemas.openxmlformats.org/officeDocument/2006/math">
                     <m:oMathParaPr>
@@ -12192,7 +12200,7 @@
             </p:txBody>
           </p:sp>
         </mc:Choice>
-        <mc:Fallback>
+        <mc:Fallback xmlns="">
           <p:sp>
             <p:nvSpPr>
               <p:cNvPr id="3" name="TextBox 2">
@@ -12237,8 +12245,8 @@
           </p:sp>
         </mc:Fallback>
       </mc:AlternateContent>
-      <mc:AlternateContent xmlns:mc="http://schemas.openxmlformats.org/markup-compatibility/2006">
-        <mc:Choice xmlns:a14="http://schemas.microsoft.com/office/drawing/2010/main" Requires="a14">
+      <mc:AlternateContent xmlns:mc="http://schemas.openxmlformats.org/markup-compatibility/2006" xmlns:a14="http://schemas.microsoft.com/office/drawing/2010/main">
+        <mc:Choice Requires="a14">
           <p:sp>
             <p:nvSpPr>
               <p:cNvPr id="6" name="TextBox 5">
@@ -12425,7 +12433,7 @@
             </p:txBody>
           </p:sp>
         </mc:Choice>
-        <mc:Fallback>
+        <mc:Fallback xmlns="">
           <p:sp>
             <p:nvSpPr>
               <p:cNvPr id="6" name="TextBox 5">
@@ -12596,8 +12604,8 @@
           </a:p>
         </p:txBody>
       </p:sp>
-      <mc:AlternateContent xmlns:mc="http://schemas.openxmlformats.org/markup-compatibility/2006">
-        <mc:Choice xmlns:a14="http://schemas.microsoft.com/office/drawing/2010/main" Requires="a14">
+      <mc:AlternateContent xmlns:mc="http://schemas.openxmlformats.org/markup-compatibility/2006" xmlns:a14="http://schemas.microsoft.com/office/drawing/2010/main">
+        <mc:Choice Requires="a14">
           <p:sp>
             <p:nvSpPr>
               <p:cNvPr id="3" name="TextBox 2">
@@ -12910,7 +12918,7 @@
             </p:txBody>
           </p:sp>
         </mc:Choice>
-        <mc:Fallback>
+        <mc:Fallback xmlns="">
           <p:sp>
             <p:nvSpPr>
               <p:cNvPr id="3" name="TextBox 2">
@@ -12955,8 +12963,8 @@
           </p:sp>
         </mc:Fallback>
       </mc:AlternateContent>
-      <mc:AlternateContent xmlns:mc="http://schemas.openxmlformats.org/markup-compatibility/2006">
-        <mc:Choice xmlns:a14="http://schemas.microsoft.com/office/drawing/2010/main" Requires="a14">
+      <mc:AlternateContent xmlns:mc="http://schemas.openxmlformats.org/markup-compatibility/2006" xmlns:a14="http://schemas.microsoft.com/office/drawing/2010/main">
+        <mc:Choice Requires="a14">
           <p:sp>
             <p:nvSpPr>
               <p:cNvPr id="6" name="TextBox 5">
@@ -13155,7 +13163,7 @@
             </p:txBody>
           </p:sp>
         </mc:Choice>
-        <mc:Fallback>
+        <mc:Fallback xmlns="">
           <p:sp>
             <p:nvSpPr>
               <p:cNvPr id="6" name="TextBox 5">
@@ -13907,8 +13915,8 @@
           </a:p>
         </p:txBody>
       </p:sp>
-      <mc:AlternateContent xmlns:mc="http://schemas.openxmlformats.org/markup-compatibility/2006">
-        <mc:Choice xmlns:a14="http://schemas.microsoft.com/office/drawing/2010/main" Requires="a14">
+      <mc:AlternateContent xmlns:mc="http://schemas.openxmlformats.org/markup-compatibility/2006" xmlns:a14="http://schemas.microsoft.com/office/drawing/2010/main">
+        <mc:Choice Requires="a14">
           <p:sp>
             <p:nvSpPr>
               <p:cNvPr id="3" name="TextBox 2">
@@ -13937,7 +13945,6 @@
               </a:bodyPr>
               <a:lstStyle/>
               <a:p>
-                <a:pPr/>
                 <a14:m>
                   <m:oMath xmlns:m="http://schemas.openxmlformats.org/officeDocument/2006/math">
                     <m:r>
@@ -14007,14 +14014,7 @@
                         <a:latin typeface="Cambria Math" panose="02040503050406030204" pitchFamily="18" charset="0"/>
                         <a:ea typeface="Cambria Math" panose="02040503050406030204" pitchFamily="18" charset="0"/>
                       </a:rPr>
-                      <m:t>)=</m:t>
-                    </m:r>
-                    <m:r>
-                      <a:rPr lang="en-US" sz="3000" b="0" i="1" smtClean="0">
-                        <a:latin typeface="Cambria Math" panose="02040503050406030204" pitchFamily="18" charset="0"/>
-                        <a:ea typeface="Cambria Math" panose="02040503050406030204" pitchFamily="18" charset="0"/>
-                      </a:rPr>
-                      <m:t> </m:t>
+                      <m:t>)= </m:t>
                     </m:r>
                     <m:r>
                       <a:rPr lang="en-US" sz="3000" b="0" i="1" smtClean="0">
@@ -14370,7 +14370,7 @@
             </p:txBody>
           </p:sp>
         </mc:Choice>
-        <mc:Fallback>
+        <mc:Fallback xmlns="">
           <p:sp>
             <p:nvSpPr>
               <p:cNvPr id="3" name="TextBox 2">
@@ -17284,7 +17284,7 @@
           <p:nvPr>
             <p:extLst>
               <p:ext uri="{D42A27DB-BD31-4B8C-83A1-F6EECF244321}">
-                <p14:modId xmlns:p14="http://schemas.microsoft.com/office/powerpoint/2010/main" val="1342038445"/>
+                <p14:modId xmlns:p14="http://schemas.microsoft.com/office/powerpoint/2010/main" val="1015029840"/>
               </p:ext>
             </p:extLst>
           </p:nvPr>
@@ -18009,15 +18009,6 @@
 </file>
 
 <file path=customXml/item2.xml><?xml version="1.0" encoding="utf-8"?>
-<?mso-contentType ?>
-<FormTemplates xmlns="http://schemas.microsoft.com/sharepoint/v3/contenttype/forms">
-  <Display>DocumentLibraryForm</Display>
-  <Edit>DocumentLibraryForm</Edit>
-  <New>DocumentLibraryForm</New>
-</FormTemplates>
-</file>
-
-<file path=customXml/item3.xml><?xml version="1.0" encoding="utf-8"?>
 <ct:contentTypeSchema xmlns:ct="http://schemas.microsoft.com/office/2006/metadata/contentType" xmlns:ma="http://schemas.microsoft.com/office/2006/metadata/properties/metaAttributes" ct:_="" ma:_="" ma:contentTypeName="Document" ma:contentTypeID="0x0101007188BDCA587B344BBA6CB1A93FAE6998" ma:contentTypeVersion="2" ma:contentTypeDescription="Create a new document." ma:contentTypeScope="" ma:versionID="7a8e4b6720badb2566a0cfeddfaf2856">
   <xsd:schema xmlns:xsd="http://www.w3.org/2001/XMLSchema" xmlns:xs="http://www.w3.org/2001/XMLSchema" xmlns:p="http://schemas.microsoft.com/office/2006/metadata/properties" xmlns:ns2="ba111d12-426d-4af0-bcb6-460e36974645" targetNamespace="http://schemas.microsoft.com/office/2006/metadata/properties" ma:root="true" ma:fieldsID="989b05398519136c88ba0a8d54e3c3da" ns2:_="">
     <xsd:import namespace="ba111d12-426d-4af0-bcb6-460e36974645"/>
@@ -18149,6 +18140,15 @@
 </ct:contentTypeSchema>
 </file>
 
+<file path=customXml/item3.xml><?xml version="1.0" encoding="utf-8"?>
+<?mso-contentType ?>
+<FormTemplates xmlns="http://schemas.microsoft.com/sharepoint/v3/contenttype/forms">
+  <Display>DocumentLibraryForm</Display>
+  <Edit>DocumentLibraryForm</Edit>
+  <New>DocumentLibraryForm</New>
+</FormTemplates>
+</file>
+
 <file path=customXml/itemProps1.xml><?xml version="1.0" encoding="utf-8"?>
 <ds:datastoreItem xmlns:ds="http://schemas.openxmlformats.org/officeDocument/2006/customXml" ds:itemID="{7ACF14CA-9E7F-410C-99DF-E0FAFDE78C11}">
   <ds:schemaRefs>
@@ -18159,14 +18159,6 @@
 </file>
 
 <file path=customXml/itemProps2.xml><?xml version="1.0" encoding="utf-8"?>
-<ds:datastoreItem xmlns:ds="http://schemas.openxmlformats.org/officeDocument/2006/customXml" ds:itemID="{6C1A3F1B-CE3A-47AB-9F84-47E786467973}">
-  <ds:schemaRefs>
-    <ds:schemaRef ds:uri="http://schemas.microsoft.com/sharepoint/v3/contenttype/forms"/>
-  </ds:schemaRefs>
-</ds:datastoreItem>
-</file>
-
-<file path=customXml/itemProps3.xml><?xml version="1.0" encoding="utf-8"?>
 <ds:datastoreItem xmlns:ds="http://schemas.openxmlformats.org/officeDocument/2006/customXml" ds:itemID="{D622FF19-6ECD-4B79-A412-9430824D2BB6}">
   <ds:schemaRefs>
     <ds:schemaRef ds:uri="http://schemas.microsoft.com/office/2006/metadata/contentType"/>
@@ -18182,4 +18174,12 @@
     <ds:schemaRef ds:uri="http://schemas.microsoft.com/internal/obd"/>
   </ds:schemaRefs>
 </ds:datastoreItem>
+</file>
+
+<file path=customXml/itemProps3.xml><?xml version="1.0" encoding="utf-8"?>
+<ds:datastoreItem xmlns:ds="http://schemas.openxmlformats.org/officeDocument/2006/customXml" ds:itemID="{6C1A3F1B-CE3A-47AB-9F84-47E786467973}">
+  <ds:schemaRefs>
+    <ds:schemaRef ds:uri="http://schemas.microsoft.com/sharepoint/v3/contenttype/forms"/>
+  </ds:schemaRefs>
+</ds:datastoreItem>
 </file>